--- a/lecture-slides/2019-12-02-oop.pptx
+++ b/lecture-slides/2019-12-02-oop.pptx
@@ -5,19 +5,20 @@
     <p:sldMasterId id="2147483648" r:id="rId1"/>
   </p:sldMasterIdLst>
   <p:notesMasterIdLst>
-    <p:notesMasterId r:id="rId12"/>
+    <p:notesMasterId r:id="rId13"/>
   </p:notesMasterIdLst>
   <p:sldIdLst>
     <p:sldId id="305" r:id="rId2"/>
     <p:sldId id="671" r:id="rId3"/>
     <p:sldId id="676" r:id="rId4"/>
-    <p:sldId id="635" r:id="rId5"/>
-    <p:sldId id="657" r:id="rId6"/>
-    <p:sldId id="674" r:id="rId7"/>
-    <p:sldId id="677" r:id="rId8"/>
-    <p:sldId id="678" r:id="rId9"/>
-    <p:sldId id="633" r:id="rId10"/>
-    <p:sldId id="613" r:id="rId11"/>
+    <p:sldId id="649" r:id="rId5"/>
+    <p:sldId id="663" r:id="rId6"/>
+    <p:sldId id="635" r:id="rId7"/>
+    <p:sldId id="657" r:id="rId8"/>
+    <p:sldId id="558" r:id="rId9"/>
+    <p:sldId id="677" r:id="rId10"/>
+    <p:sldId id="633" r:id="rId11"/>
+    <p:sldId id="613" r:id="rId12"/>
   </p:sldIdLst>
   <p:sldSz cx="12192000" cy="6858000"/>
   <p:notesSz cx="6858000" cy="9144000"/>
@@ -124,11 +125,12 @@
             <p14:sldId id="305"/>
             <p14:sldId id="671"/>
             <p14:sldId id="676"/>
+            <p14:sldId id="649"/>
+            <p14:sldId id="663"/>
             <p14:sldId id="635"/>
             <p14:sldId id="657"/>
-            <p14:sldId id="674"/>
+            <p14:sldId id="558"/>
             <p14:sldId id="677"/>
-            <p14:sldId id="678"/>
             <p14:sldId id="633"/>
             <p14:sldId id="613"/>
           </p14:sldIdLst>
@@ -224,7 +226,7 @@
           <a:p>
             <a:fld id="{A677DEB0-5AA4-49C7-B0AD-AD047A002C4C}" type="datetimeFigureOut">
               <a:rPr lang="en-US" smtClean="0"/>
-              <a:t>11/25/2019</a:t>
+              <a:t>11/26/19</a:t>
             </a:fld>
             <a:endParaRPr lang="en-US"/>
           </a:p>
@@ -703,7 +705,28 @@
           <a:bodyPr/>
           <a:lstStyle/>
           <a:p>
-            <a:endParaRPr lang="en-US" dirty="0"/>
+            <a:r>
+              <a:rPr lang="en-US" dirty="0"/>
+              <a:t>Announcement </a:t>
+            </a:r>
+          </a:p>
+          <a:p>
+            <a:r>
+              <a:rPr lang="en-US" dirty="0"/>
+              <a:t>Activities List</a:t>
+            </a:r>
+          </a:p>
+          <a:p>
+            <a:r>
+              <a:rPr lang="en-US" dirty="0"/>
+              <a:t>Lab</a:t>
+            </a:r>
+          </a:p>
+          <a:p>
+            <a:r>
+              <a:rPr lang="en-US" dirty="0"/>
+              <a:t>Discussion Board</a:t>
+            </a:r>
           </a:p>
         </p:txBody>
       </p:sp>
@@ -733,7 +756,7 @@
     </p:spTree>
     <p:extLst>
       <p:ext uri="{BB962C8B-B14F-4D97-AF65-F5344CB8AC3E}">
-        <p14:creationId xmlns:p14="http://schemas.microsoft.com/office/powerpoint/2010/main" val="1284674730"/>
+        <p14:creationId xmlns:p14="http://schemas.microsoft.com/office/powerpoint/2010/main" val="978521725"/>
       </p:ext>
     </p:extLst>
   </p:cSld>
@@ -808,7 +831,7 @@
           <a:p>
             <a:fld id="{5394DE12-7B9B-46AA-AC19-C30A49928B9B}" type="slidenum">
               <a:rPr lang="en-US" smtClean="0"/>
-              <a:t>6</a:t>
+              <a:t>5</a:t>
             </a:fld>
             <a:endParaRPr lang="en-US" dirty="0"/>
           </a:p>
@@ -817,7 +840,7 @@
     </p:spTree>
     <p:extLst>
       <p:ext uri="{BB962C8B-B14F-4D97-AF65-F5344CB8AC3E}">
-        <p14:creationId xmlns:p14="http://schemas.microsoft.com/office/powerpoint/2010/main" val="1308232798"/>
+        <p14:creationId xmlns:p14="http://schemas.microsoft.com/office/powerpoint/2010/main" val="134271935"/>
       </p:ext>
     </p:extLst>
   </p:cSld>
@@ -871,7 +894,7 @@
           <a:bodyPr/>
           <a:lstStyle/>
           <a:p>
-            <a:endParaRPr lang="en-US" sz="1000" dirty="0"/>
+            <a:endParaRPr lang="en-US" dirty="0"/>
           </a:p>
         </p:txBody>
       </p:sp>
@@ -882,7 +905,7 @@
             <a:spLocks noGrp="1"/>
           </p:cNvSpPr>
           <p:nvPr>
-            <p:ph type="sldNum" sz="quarter" idx="10"/>
+            <p:ph type="sldNum" sz="quarter" idx="5"/>
           </p:nvPr>
         </p:nvSpPr>
         <p:spPr/>
@@ -890,18 +913,18 @@
           <a:bodyPr/>
           <a:lstStyle/>
           <a:p>
-            <a:fld id="{5394DE12-7B9B-46AA-AC19-C30A49928B9B}" type="slidenum">
+            <a:fld id="{35A4D32B-0177-4B34-AE20-6C72705619FE}" type="slidenum">
               <a:rPr lang="en-US" smtClean="0"/>
-              <a:t>8</a:t>
+              <a:t>6</a:t>
             </a:fld>
-            <a:endParaRPr lang="en-US" dirty="0"/>
+            <a:endParaRPr lang="en-US"/>
           </a:p>
         </p:txBody>
       </p:sp>
     </p:spTree>
     <p:extLst>
       <p:ext uri="{BB962C8B-B14F-4D97-AF65-F5344CB8AC3E}">
-        <p14:creationId xmlns:p14="http://schemas.microsoft.com/office/powerpoint/2010/main" val="8813084"/>
+        <p14:creationId xmlns:p14="http://schemas.microsoft.com/office/powerpoint/2010/main" val="1284674730"/>
       </p:ext>
     </p:extLst>
   </p:cSld>
@@ -976,7 +999,7 @@
           <a:p>
             <a:fld id="{5394DE12-7B9B-46AA-AC19-C30A49928B9B}" type="slidenum">
               <a:rPr lang="en-US" smtClean="0"/>
-              <a:t>9</a:t>
+              <a:t>10</a:t>
             </a:fld>
             <a:endParaRPr lang="en-US" dirty="0"/>
           </a:p>
@@ -1060,7 +1083,7 @@
           <a:p>
             <a:fld id="{5394DE12-7B9B-46AA-AC19-C30A49928B9B}" type="slidenum">
               <a:rPr lang="en-US" smtClean="0"/>
-              <a:t>10</a:t>
+              <a:t>11</a:t>
             </a:fld>
             <a:endParaRPr lang="en-US" dirty="0"/>
           </a:p>
@@ -1226,7 +1249,7 @@
           <a:p>
             <a:fld id="{1B52E0E1-344B-4E26-B5AD-CE86AB802485}" type="datetimeFigureOut">
               <a:rPr lang="en-US" smtClean="0"/>
-              <a:t>11/25/2019</a:t>
+              <a:t>11/26/19</a:t>
             </a:fld>
             <a:endParaRPr lang="en-US"/>
           </a:p>
@@ -1424,7 +1447,7 @@
           <a:p>
             <a:fld id="{1B52E0E1-344B-4E26-B5AD-CE86AB802485}" type="datetimeFigureOut">
               <a:rPr lang="en-US" smtClean="0"/>
-              <a:t>11/25/2019</a:t>
+              <a:t>11/26/19</a:t>
             </a:fld>
             <a:endParaRPr lang="en-US"/>
           </a:p>
@@ -1632,7 +1655,7 @@
           <a:p>
             <a:fld id="{1B52E0E1-344B-4E26-B5AD-CE86AB802485}" type="datetimeFigureOut">
               <a:rPr lang="en-US" smtClean="0"/>
-              <a:t>11/25/2019</a:t>
+              <a:t>11/26/19</a:t>
             </a:fld>
             <a:endParaRPr lang="en-US"/>
           </a:p>
@@ -1830,7 +1853,7 @@
           <a:p>
             <a:fld id="{1B52E0E1-344B-4E26-B5AD-CE86AB802485}" type="datetimeFigureOut">
               <a:rPr lang="en-US" smtClean="0"/>
-              <a:t>11/25/2019</a:t>
+              <a:t>11/26/19</a:t>
             </a:fld>
             <a:endParaRPr lang="en-US"/>
           </a:p>
@@ -2105,7 +2128,7 @@
           <a:p>
             <a:fld id="{1B52E0E1-344B-4E26-B5AD-CE86AB802485}" type="datetimeFigureOut">
               <a:rPr lang="en-US" smtClean="0"/>
-              <a:t>11/25/2019</a:t>
+              <a:t>11/26/19</a:t>
             </a:fld>
             <a:endParaRPr lang="en-US"/>
           </a:p>
@@ -2370,7 +2393,7 @@
           <a:p>
             <a:fld id="{1B52E0E1-344B-4E26-B5AD-CE86AB802485}" type="datetimeFigureOut">
               <a:rPr lang="en-US" smtClean="0"/>
-              <a:t>11/25/2019</a:t>
+              <a:t>11/26/19</a:t>
             </a:fld>
             <a:endParaRPr lang="en-US"/>
           </a:p>
@@ -2782,7 +2805,7 @@
           <a:p>
             <a:fld id="{1B52E0E1-344B-4E26-B5AD-CE86AB802485}" type="datetimeFigureOut">
               <a:rPr lang="en-US" smtClean="0"/>
-              <a:t>11/25/2019</a:t>
+              <a:t>11/26/19</a:t>
             </a:fld>
             <a:endParaRPr lang="en-US"/>
           </a:p>
@@ -2923,7 +2946,7 @@
           <a:p>
             <a:fld id="{1B52E0E1-344B-4E26-B5AD-CE86AB802485}" type="datetimeFigureOut">
               <a:rPr lang="en-US" smtClean="0"/>
-              <a:t>11/25/2019</a:t>
+              <a:t>11/26/19</a:t>
             </a:fld>
             <a:endParaRPr lang="en-US"/>
           </a:p>
@@ -3036,7 +3059,7 @@
           <a:p>
             <a:fld id="{1B52E0E1-344B-4E26-B5AD-CE86AB802485}" type="datetimeFigureOut">
               <a:rPr lang="en-US" smtClean="0"/>
-              <a:t>11/25/2019</a:t>
+              <a:t>11/26/19</a:t>
             </a:fld>
             <a:endParaRPr lang="en-US"/>
           </a:p>
@@ -3347,7 +3370,7 @@
           <a:p>
             <a:fld id="{1B52E0E1-344B-4E26-B5AD-CE86AB802485}" type="datetimeFigureOut">
               <a:rPr lang="en-US" smtClean="0"/>
-              <a:t>11/25/2019</a:t>
+              <a:t>11/26/19</a:t>
             </a:fld>
             <a:endParaRPr lang="en-US"/>
           </a:p>
@@ -3635,7 +3658,7 @@
           <a:p>
             <a:fld id="{1B52E0E1-344B-4E26-B5AD-CE86AB802485}" type="datetimeFigureOut">
               <a:rPr lang="en-US" smtClean="0"/>
-              <a:t>11/25/2019</a:t>
+              <a:t>11/26/19</a:t>
             </a:fld>
             <a:endParaRPr lang="en-US"/>
           </a:p>
@@ -3876,7 +3899,7 @@
           <a:p>
             <a:fld id="{1B52E0E1-344B-4E26-B5AD-CE86AB802485}" type="datetimeFigureOut">
               <a:rPr lang="en-US" smtClean="0"/>
-              <a:t>11/25/2019</a:t>
+              <a:t>11/26/19</a:t>
             </a:fld>
             <a:endParaRPr lang="en-US"/>
           </a:p>
@@ -4396,7 +4419,7 @@
             </a:pPr>
             <a:r>
               <a:rPr lang="en-US" sz="2000" dirty="0"/>
-              <a:t>Friendly Conversation Topic - </a:t>
+              <a:t>Friendly Conversation Topic – Electric Cars &amp; Tesla</a:t>
             </a:r>
           </a:p>
           <a:p>
@@ -4422,7 +4445,7 @@
             </a:pPr>
             <a:r>
               <a:rPr lang="en-US" sz="2000" dirty="0"/>
-              <a:t>Remaining Schedule </a:t>
+              <a:t>Retrospective</a:t>
             </a:r>
           </a:p>
           <a:p>
@@ -4435,7 +4458,7 @@
             </a:pPr>
             <a:r>
               <a:rPr lang="en-US" sz="2000" dirty="0"/>
-              <a:t>Assignment Discussion – Do we need to make an adjustment?</a:t>
+              <a:t>Sprint Planning</a:t>
             </a:r>
           </a:p>
           <a:p>
@@ -4447,22 +4470,10 @@
               <a:buAutoNum type="arabicPeriod"/>
             </a:pPr>
             <a:r>
-              <a:rPr lang="en-US" sz="2000" dirty="0"/>
-              <a:t>Working Session – Updated Assignment for Next Class</a:t>
-            </a:r>
-          </a:p>
-          <a:p>
-            <a:pPr marL="457200" indent="-457200">
-              <a:spcBef>
-                <a:spcPts val="400"/>
-              </a:spcBef>
-              <a:buFont typeface="+mj-lt"/>
-              <a:buAutoNum type="arabicPeriod"/>
-            </a:pPr>
-            <a:r>
-              <a:rPr lang="en-US" sz="2000" dirty="0"/>
+              <a:rPr lang="en-US" sz="2000"/>
               <a:t>Lab</a:t>
             </a:r>
+            <a:endParaRPr lang="en-US" sz="2000" dirty="0"/>
           </a:p>
           <a:p>
             <a:pPr marL="0" indent="0">
@@ -4527,6 +4538,214 @@
 <file path=ppt/slides/slide10.xml><?xml version="1.0" encoding="utf-8"?>
 <p:sld xmlns:a="http://schemas.openxmlformats.org/drawingml/2006/main" xmlns:r="http://schemas.openxmlformats.org/officeDocument/2006/relationships" xmlns:p="http://schemas.openxmlformats.org/presentationml/2006/main">
   <p:cSld>
+    <p:spTree>
+      <p:nvGrpSpPr>
+        <p:cNvPr id="1" name=""/>
+        <p:cNvGrpSpPr/>
+        <p:nvPr/>
+      </p:nvGrpSpPr>
+      <p:grpSpPr>
+        <a:xfrm>
+          <a:off x="0" y="0"/>
+          <a:ext cx="0" cy="0"/>
+          <a:chOff x="0" y="0"/>
+          <a:chExt cx="0" cy="0"/>
+        </a:xfrm>
+      </p:grpSpPr>
+      <p:sp>
+        <p:nvSpPr>
+          <p:cNvPr id="2" name="Title 1"/>
+          <p:cNvSpPr>
+            <a:spLocks noGrp="1"/>
+          </p:cNvSpPr>
+          <p:nvPr>
+            <p:ph type="title"/>
+          </p:nvPr>
+        </p:nvSpPr>
+        <p:spPr>
+          <a:xfrm>
+            <a:off x="838200" y="365126"/>
+            <a:ext cx="10515600" cy="757272"/>
+          </a:xfrm>
+        </p:spPr>
+        <p:txBody>
+          <a:bodyPr>
+            <a:normAutofit/>
+          </a:bodyPr>
+          <a:lstStyle/>
+          <a:p>
+            <a:r>
+              <a:rPr lang="en-US" sz="3600" dirty="0"/>
+              <a:t>Lab</a:t>
+            </a:r>
+            <a:endParaRPr lang="en-US" sz="3600" b="1" i="1" u="sng" dirty="0"/>
+          </a:p>
+        </p:txBody>
+      </p:sp>
+      <p:sp>
+        <p:nvSpPr>
+          <p:cNvPr id="3" name="Content Placeholder 2"/>
+          <p:cNvSpPr>
+            <a:spLocks noGrp="1"/>
+          </p:cNvSpPr>
+          <p:nvPr>
+            <p:ph idx="1"/>
+          </p:nvPr>
+        </p:nvSpPr>
+        <p:spPr>
+          <a:xfrm>
+            <a:off x="838200" y="1122399"/>
+            <a:ext cx="10718950" cy="3104544"/>
+          </a:xfrm>
+        </p:spPr>
+        <p:txBody>
+          <a:bodyPr>
+            <a:normAutofit/>
+          </a:bodyPr>
+          <a:lstStyle/>
+          <a:p>
+            <a:pPr marL="0" indent="0">
+              <a:buNone/>
+            </a:pPr>
+            <a:r>
+              <a:rPr lang="en-US" sz="2000" dirty="0"/>
+              <a:t>As A Scrum Team:</a:t>
+            </a:r>
+          </a:p>
+          <a:p>
+            <a:pPr marL="457200" indent="-457200">
+              <a:buFont typeface="+mj-lt"/>
+              <a:buAutoNum type="arabicPeriod"/>
+            </a:pPr>
+            <a:r>
+              <a:rPr lang="en-US" sz="2000" dirty="0"/>
+              <a:t>Final Project v2</a:t>
+            </a:r>
+          </a:p>
+          <a:p>
+            <a:pPr marL="457200" indent="-457200">
+              <a:buFont typeface="+mj-lt"/>
+              <a:buAutoNum type="arabicPeriod"/>
+            </a:pPr>
+            <a:r>
+              <a:rPr lang="en-US" sz="2000" dirty="0"/>
+              <a:t>Report out at 2:48</a:t>
+            </a:r>
+          </a:p>
+          <a:p>
+            <a:pPr marL="0" indent="0">
+              <a:buNone/>
+            </a:pPr>
+            <a:endParaRPr lang="en-US" sz="2000" dirty="0"/>
+          </a:p>
+          <a:p>
+            <a:pPr marL="0" indent="0">
+              <a:buNone/>
+            </a:pPr>
+            <a:endParaRPr lang="en-US" sz="2000" dirty="0"/>
+          </a:p>
+          <a:p>
+            <a:pPr marL="0" indent="0">
+              <a:buNone/>
+            </a:pPr>
+            <a:endParaRPr lang="en-US" sz="2000" dirty="0"/>
+          </a:p>
+        </p:txBody>
+      </p:sp>
+      <p:sp>
+        <p:nvSpPr>
+          <p:cNvPr id="4" name="Rectangle 3">
+            <a:extLst>
+              <a:ext uri="{FF2B5EF4-FFF2-40B4-BE49-F238E27FC236}">
+                <a16:creationId xmlns:a16="http://schemas.microsoft.com/office/drawing/2014/main" id="{26BADDFD-9BE3-0244-AE69-52D2BB47696A}"/>
+              </a:ext>
+            </a:extLst>
+          </p:cNvPr>
+          <p:cNvSpPr/>
+          <p:nvPr/>
+        </p:nvSpPr>
+        <p:spPr>
+          <a:xfrm>
+            <a:off x="838200" y="4649423"/>
+            <a:ext cx="10515600" cy="1754326"/>
+          </a:xfrm>
+          <a:prstGeom prst="rect">
+            <a:avLst/>
+          </a:prstGeom>
+        </p:spPr>
+        <p:txBody>
+          <a:bodyPr wrap="square">
+            <a:spAutoFit/>
+          </a:bodyPr>
+          <a:lstStyle/>
+          <a:p>
+            <a:r>
+              <a:rPr lang="en-US" u="sng" dirty="0"/>
+              <a:t>Team Report Out Guidelines</a:t>
+            </a:r>
+          </a:p>
+          <a:p>
+            <a:r>
+              <a:rPr lang="en-US" dirty="0"/>
+              <a:t>Scrum Master will </a:t>
+            </a:r>
+            <a:r>
+              <a:rPr lang="en-US" u="sng" dirty="0"/>
+              <a:t>stand up, give your name, your team name</a:t>
+            </a:r>
+            <a:r>
+              <a:rPr lang="en-US" dirty="0"/>
+              <a:t>, and briefly answer the following questions:</a:t>
+            </a:r>
+          </a:p>
+          <a:p>
+            <a:pPr marL="514350" indent="-514350">
+              <a:buFont typeface="+mj-lt"/>
+              <a:buAutoNum type="alphaLcParenR"/>
+            </a:pPr>
+            <a:r>
+              <a:rPr lang="en-US" dirty="0"/>
+              <a:t>What did you accomplish since the last meeting? And what will you be working on until the next meeting?</a:t>
+            </a:r>
+          </a:p>
+          <a:p>
+            <a:pPr marL="514350" indent="-514350">
+              <a:buFont typeface="+mj-lt"/>
+              <a:buAutoNum type="alphaLcParenR"/>
+            </a:pPr>
+            <a:r>
+              <a:rPr lang="en-US" dirty="0"/>
+              <a:t>Is the team committed to completing assignments? All/Most/Some</a:t>
+            </a:r>
+          </a:p>
+          <a:p>
+            <a:pPr marL="514350" indent="-514350">
+              <a:buFont typeface="+mj-lt"/>
+              <a:buAutoNum type="alphaLcParenR"/>
+            </a:pPr>
+            <a:r>
+              <a:rPr lang="en-US" dirty="0"/>
+              <a:t>What is getting in your way or keeping you from completing the assignments?</a:t>
+            </a:r>
+          </a:p>
+        </p:txBody>
+      </p:sp>
+    </p:spTree>
+    <p:extLst>
+      <p:ext uri="{BB962C8B-B14F-4D97-AF65-F5344CB8AC3E}">
+        <p14:creationId xmlns:p14="http://schemas.microsoft.com/office/powerpoint/2010/main" val="1188632697"/>
+      </p:ext>
+    </p:extLst>
+  </p:cSld>
+  <p:clrMapOvr>
+    <a:masterClrMapping/>
+  </p:clrMapOvr>
+</p:sld>
+</file>
+
+<file path=ppt/slides/slide11.xml><?xml version="1.0" encoding="utf-8"?>
+<p:sld xmlns:a="http://schemas.openxmlformats.org/drawingml/2006/main" xmlns:r="http://schemas.openxmlformats.org/officeDocument/2006/relationships" xmlns:p="http://schemas.openxmlformats.org/presentationml/2006/main">
+  <p:cSld>
     <p:bg>
       <p:bgPr>
         <a:solidFill>
@@ -4639,7 +4858,14 @@
             </a:pPr>
             <a:r>
               <a:rPr lang="en-US" sz="3600" dirty="0"/>
-              <a:t>Friendly Conversation Topic</a:t>
+              <a:t>Friendly Conversation Topic – </a:t>
+            </a:r>
+            <a:br>
+              <a:rPr lang="en-US" sz="3600" dirty="0"/>
+            </a:br>
+            <a:r>
+              <a:rPr lang="en-US" sz="3600" dirty="0"/>
+              <a:t>Electric Cars &amp; Tesla</a:t>
             </a:r>
           </a:p>
         </p:txBody>
@@ -4702,7 +4928,7 @@
             </a:pPr>
             <a:r>
               <a:rPr lang="en-US" dirty="0"/>
-              <a:t>Updated Assignment for Next Class</a:t>
+              <a:t>Assignment</a:t>
             </a:r>
           </a:p>
         </p:txBody>
@@ -4788,6 +5014,440 @@
           <p:cNvPr id="2" name="Title 1">
             <a:extLst>
               <a:ext uri="{FF2B5EF4-FFF2-40B4-BE49-F238E27FC236}">
+                <a16:creationId xmlns:a16="http://schemas.microsoft.com/office/drawing/2014/main" id="{443FD3EE-6698-4602-B4C0-718F014616A4}"/>
+              </a:ext>
+            </a:extLst>
+          </p:cNvPr>
+          <p:cNvSpPr>
+            <a:spLocks noGrp="1"/>
+          </p:cNvSpPr>
+          <p:nvPr>
+            <p:ph type="title"/>
+          </p:nvPr>
+        </p:nvSpPr>
+        <p:spPr/>
+        <p:txBody>
+          <a:bodyPr/>
+          <a:lstStyle/>
+          <a:p>
+            <a:r>
+              <a:rPr lang="en-US" dirty="0"/>
+              <a:t>Scrum Process &amp; Roles – Sprint Retrospective</a:t>
+            </a:r>
+          </a:p>
+        </p:txBody>
+      </p:sp>
+      <p:pic>
+        <p:nvPicPr>
+          <p:cNvPr id="1026" name="Picture 2" descr="https://upload.wikimedia.org/wikipedia/commons/d/df/Scrum_Framework.png">
+            <a:extLst>
+              <a:ext uri="{FF2B5EF4-FFF2-40B4-BE49-F238E27FC236}">
+                <a16:creationId xmlns:a16="http://schemas.microsoft.com/office/drawing/2014/main" id="{94D187A3-9AAC-4908-B843-2E262C28DBFE}"/>
+              </a:ext>
+            </a:extLst>
+          </p:cNvPr>
+          <p:cNvPicPr>
+            <a:picLocks noChangeAspect="1" noChangeArrowheads="1"/>
+          </p:cNvPicPr>
+          <p:nvPr/>
+        </p:nvPicPr>
+        <p:blipFill>
+          <a:blip r:embed="rId3">
+            <a:extLst>
+              <a:ext uri="{28A0092B-C50C-407E-A947-70E740481C1C}">
+                <a14:useLocalDpi xmlns:a14="http://schemas.microsoft.com/office/drawing/2010/main" val="0"/>
+              </a:ext>
+            </a:extLst>
+          </a:blip>
+          <a:srcRect/>
+          <a:stretch>
+            <a:fillRect/>
+          </a:stretch>
+        </p:blipFill>
+        <p:spPr bwMode="auto">
+          <a:xfrm>
+            <a:off x="2221847" y="1341064"/>
+            <a:ext cx="8138182" cy="4531099"/>
+          </a:xfrm>
+          <a:prstGeom prst="rect">
+            <a:avLst/>
+          </a:prstGeom>
+          <a:noFill/>
+          <a:extLst>
+            <a:ext uri="{909E8E84-426E-40DD-AFC4-6F175D3DCCD1}">
+              <a14:hiddenFill xmlns:a14="http://schemas.microsoft.com/office/drawing/2010/main">
+                <a:solidFill>
+                  <a:srgbClr val="FFFFFF"/>
+                </a:solidFill>
+              </a14:hiddenFill>
+            </a:ext>
+          </a:extLst>
+        </p:spPr>
+      </p:pic>
+      <p:sp>
+        <p:nvSpPr>
+          <p:cNvPr id="6" name="Rectangle 5">
+            <a:extLst>
+              <a:ext uri="{FF2B5EF4-FFF2-40B4-BE49-F238E27FC236}">
+                <a16:creationId xmlns:a16="http://schemas.microsoft.com/office/drawing/2014/main" id="{C5034F42-102F-445B-BE40-5AF1FC99349D}"/>
+              </a:ext>
+            </a:extLst>
+          </p:cNvPr>
+          <p:cNvSpPr/>
+          <p:nvPr/>
+        </p:nvSpPr>
+        <p:spPr>
+          <a:xfrm>
+            <a:off x="3916346" y="6123543"/>
+            <a:ext cx="4749185" cy="369332"/>
+          </a:xfrm>
+          <a:prstGeom prst="rect">
+            <a:avLst/>
+          </a:prstGeom>
+        </p:spPr>
+        <p:txBody>
+          <a:bodyPr wrap="none">
+            <a:spAutoFit/>
+          </a:bodyPr>
+          <a:lstStyle/>
+          <a:p>
+            <a:r>
+              <a:rPr lang="en-US" dirty="0"/>
+              <a:t>By </a:t>
+            </a:r>
+            <a:r>
+              <a:rPr lang="en-US" dirty="0" err="1">
+                <a:hlinkClick r:id="rId4" tooltip="User:Dr ian mitchell (page does not exist)"/>
+              </a:rPr>
+              <a:t>Dr</a:t>
+            </a:r>
+            <a:r>
+              <a:rPr lang="en-US" dirty="0">
+                <a:hlinkClick r:id="rId4" tooltip="User:Dr ian mitchell (page does not exist)"/>
+              </a:rPr>
+              <a:t> </a:t>
+            </a:r>
+            <a:r>
+              <a:rPr lang="en-US" dirty="0" err="1">
+                <a:hlinkClick r:id="rId4" tooltip="User:Dr ian mitchell (page does not exist)"/>
+              </a:rPr>
+              <a:t>ian</a:t>
+            </a:r>
+            <a:r>
+              <a:rPr lang="en-US" dirty="0">
+                <a:hlinkClick r:id="rId4" tooltip="User:Dr ian mitchell (page does not exist)"/>
+              </a:rPr>
+              <a:t> </a:t>
+            </a:r>
+            <a:r>
+              <a:rPr lang="en-US" dirty="0" err="1">
+                <a:hlinkClick r:id="rId4" tooltip="User:Dr ian mitchell (page does not exist)"/>
+              </a:rPr>
+              <a:t>mitchell</a:t>
+            </a:r>
+            <a:r>
+              <a:rPr lang="en-US" dirty="0"/>
+              <a:t> - Own work, </a:t>
+            </a:r>
+            <a:r>
+              <a:rPr lang="en-US" dirty="0">
+                <a:hlinkClick r:id="rId5" tooltip="Creative Commons Attribution-Share Alike 4.0"/>
+              </a:rPr>
+              <a:t>CC BY-SA 4.0</a:t>
+            </a:r>
+            <a:r>
+              <a:rPr lang="en-US" dirty="0"/>
+              <a:t>, </a:t>
+            </a:r>
+            <a:r>
+              <a:rPr lang="en-US" dirty="0">
+                <a:hlinkClick r:id="rId6"/>
+              </a:rPr>
+              <a:t>Link</a:t>
+            </a:r>
+            <a:endParaRPr lang="en-US" dirty="0"/>
+          </a:p>
+        </p:txBody>
+      </p:sp>
+      <p:sp>
+        <p:nvSpPr>
+          <p:cNvPr id="13" name="Oval 12">
+            <a:extLst>
+              <a:ext uri="{FF2B5EF4-FFF2-40B4-BE49-F238E27FC236}">
+                <a16:creationId xmlns:a16="http://schemas.microsoft.com/office/drawing/2014/main" id="{CB822028-AE62-4F61-8F14-297C0D4C1218}"/>
+              </a:ext>
+            </a:extLst>
+          </p:cNvPr>
+          <p:cNvSpPr/>
+          <p:nvPr/>
+        </p:nvSpPr>
+        <p:spPr>
+          <a:xfrm>
+            <a:off x="8867870" y="4303459"/>
+            <a:ext cx="1551153" cy="1213477"/>
+          </a:xfrm>
+          <a:prstGeom prst="ellipse">
+            <a:avLst/>
+          </a:prstGeom>
+          <a:solidFill>
+            <a:schemeClr val="tx1">
+              <a:alpha val="0"/>
+            </a:schemeClr>
+          </a:solidFill>
+          <a:ln w="38100">
+            <a:solidFill>
+              <a:srgbClr val="C00000"/>
+            </a:solidFill>
+          </a:ln>
+        </p:spPr>
+        <p:style>
+          <a:lnRef idx="2">
+            <a:schemeClr val="accent1">
+              <a:shade val="50000"/>
+            </a:schemeClr>
+          </a:lnRef>
+          <a:fillRef idx="1">
+            <a:schemeClr val="accent1"/>
+          </a:fillRef>
+          <a:effectRef idx="0">
+            <a:schemeClr val="accent1"/>
+          </a:effectRef>
+          <a:fontRef idx="minor">
+            <a:schemeClr val="lt1"/>
+          </a:fontRef>
+        </p:style>
+        <p:txBody>
+          <a:bodyPr rtlCol="0" anchor="ctr"/>
+          <a:lstStyle/>
+          <a:p>
+            <a:pPr algn="ctr"/>
+            <a:endParaRPr lang="en-US"/>
+          </a:p>
+        </p:txBody>
+      </p:sp>
+    </p:spTree>
+    <p:extLst>
+      <p:ext uri="{BB962C8B-B14F-4D97-AF65-F5344CB8AC3E}">
+        <p14:creationId xmlns:p14="http://schemas.microsoft.com/office/powerpoint/2010/main" val="2252668124"/>
+      </p:ext>
+    </p:extLst>
+  </p:cSld>
+  <p:clrMapOvr>
+    <a:masterClrMapping/>
+  </p:clrMapOvr>
+  <p:timing>
+    <p:tnLst>
+      <p:par>
+        <p:cTn id="1" dur="indefinite" restart="never" nodeType="tmRoot">
+          <p:childTnLst>
+            <p:seq concurrent="1" nextAc="seek">
+              <p:cTn id="2" dur="indefinite" nodeType="mainSeq">
+                <p:childTnLst>
+                  <p:par>
+                    <p:cTn id="3" fill="hold">
+                      <p:stCondLst>
+                        <p:cond delay="indefinite"/>
+                      </p:stCondLst>
+                      <p:childTnLst>
+                        <p:par>
+                          <p:cTn id="4" fill="hold">
+                            <p:stCondLst>
+                              <p:cond delay="0"/>
+                            </p:stCondLst>
+                            <p:childTnLst>
+                              <p:par>
+                                <p:cTn id="5" presetID="2" presetClass="entr" presetSubtype="4" fill="hold" grpId="0" nodeType="clickEffect">
+                                  <p:stCondLst>
+                                    <p:cond delay="0"/>
+                                  </p:stCondLst>
+                                  <p:childTnLst>
+                                    <p:set>
+                                      <p:cBhvr>
+                                        <p:cTn id="6" dur="1" fill="hold">
+                                          <p:stCondLst>
+                                            <p:cond delay="0"/>
+                                          </p:stCondLst>
+                                        </p:cTn>
+                                        <p:tgtEl>
+                                          <p:spTgt spid="13"/>
+                                        </p:tgtEl>
+                                        <p:attrNameLst>
+                                          <p:attrName>style.visibility</p:attrName>
+                                        </p:attrNameLst>
+                                      </p:cBhvr>
+                                      <p:to>
+                                        <p:strVal val="visible"/>
+                                      </p:to>
+                                    </p:set>
+                                    <p:anim calcmode="lin" valueType="num">
+                                      <p:cBhvr additive="base">
+                                        <p:cTn id="7" dur="500" fill="hold"/>
+                                        <p:tgtEl>
+                                          <p:spTgt spid="13"/>
+                                        </p:tgtEl>
+                                        <p:attrNameLst>
+                                          <p:attrName>ppt_x</p:attrName>
+                                        </p:attrNameLst>
+                                      </p:cBhvr>
+                                      <p:tavLst>
+                                        <p:tav tm="0">
+                                          <p:val>
+                                            <p:strVal val="#ppt_x"/>
+                                          </p:val>
+                                        </p:tav>
+                                        <p:tav tm="100000">
+                                          <p:val>
+                                            <p:strVal val="#ppt_x"/>
+                                          </p:val>
+                                        </p:tav>
+                                      </p:tavLst>
+                                    </p:anim>
+                                    <p:anim calcmode="lin" valueType="num">
+                                      <p:cBhvr additive="base">
+                                        <p:cTn id="8" dur="500" fill="hold"/>
+                                        <p:tgtEl>
+                                          <p:spTgt spid="13"/>
+                                        </p:tgtEl>
+                                        <p:attrNameLst>
+                                          <p:attrName>ppt_y</p:attrName>
+                                        </p:attrNameLst>
+                                      </p:cBhvr>
+                                      <p:tavLst>
+                                        <p:tav tm="0">
+                                          <p:val>
+                                            <p:strVal val="1+#ppt_h/2"/>
+                                          </p:val>
+                                        </p:tav>
+                                        <p:tav tm="100000">
+                                          <p:val>
+                                            <p:strVal val="#ppt_y"/>
+                                          </p:val>
+                                        </p:tav>
+                                      </p:tavLst>
+                                    </p:anim>
+                                  </p:childTnLst>
+                                </p:cTn>
+                              </p:par>
+                            </p:childTnLst>
+                          </p:cTn>
+                        </p:par>
+                      </p:childTnLst>
+                    </p:cTn>
+                  </p:par>
+                </p:childTnLst>
+              </p:cTn>
+              <p:prevCondLst>
+                <p:cond evt="onPrev" delay="0">
+                  <p:tgtEl>
+                    <p:sldTgt/>
+                  </p:tgtEl>
+                </p:cond>
+              </p:prevCondLst>
+              <p:nextCondLst>
+                <p:cond evt="onNext" delay="0">
+                  <p:tgtEl>
+                    <p:sldTgt/>
+                  </p:tgtEl>
+                </p:cond>
+              </p:nextCondLst>
+            </p:seq>
+          </p:childTnLst>
+        </p:cTn>
+      </p:par>
+    </p:tnLst>
+    <p:bldLst>
+      <p:bldP spid="13" grpId="0" animBg="1"/>
+    </p:bldLst>
+  </p:timing>
+</p:sld>
+</file>
+
+<file path=ppt/slides/slide5.xml><?xml version="1.0" encoding="utf-8"?>
+<p:sld xmlns:a="http://schemas.openxmlformats.org/drawingml/2006/main" xmlns:r="http://schemas.openxmlformats.org/officeDocument/2006/relationships" xmlns:p="http://schemas.openxmlformats.org/presentationml/2006/main">
+  <p:cSld>
+    <p:spTree>
+      <p:nvGrpSpPr>
+        <p:cNvPr id="1" name=""/>
+        <p:cNvGrpSpPr/>
+        <p:nvPr/>
+      </p:nvGrpSpPr>
+      <p:grpSpPr>
+        <a:xfrm>
+          <a:off x="0" y="0"/>
+          <a:ext cx="0" cy="0"/>
+          <a:chOff x="0" y="0"/>
+          <a:chExt cx="0" cy="0"/>
+        </a:xfrm>
+      </p:grpSpPr>
+      <p:sp>
+        <p:nvSpPr>
+          <p:cNvPr id="2" name="Title 1"/>
+          <p:cNvSpPr>
+            <a:spLocks noGrp="1"/>
+          </p:cNvSpPr>
+          <p:nvPr>
+            <p:ph type="ctrTitle"/>
+          </p:nvPr>
+        </p:nvSpPr>
+        <p:spPr>
+          <a:xfrm>
+            <a:off x="1524000" y="3025490"/>
+            <a:ext cx="9144000" cy="807019"/>
+          </a:xfrm>
+        </p:spPr>
+        <p:txBody>
+          <a:bodyPr anchor="ctr">
+            <a:noAutofit/>
+          </a:bodyPr>
+          <a:lstStyle/>
+          <a:p>
+            <a:pPr>
+              <a:spcBef>
+                <a:spcPts val="300"/>
+              </a:spcBef>
+            </a:pPr>
+            <a:r>
+              <a:rPr lang="en-US" sz="3600" dirty="0"/>
+              <a:t>Your Feedback from Sprint 7?</a:t>
+            </a:r>
+          </a:p>
+        </p:txBody>
+      </p:sp>
+    </p:spTree>
+    <p:extLst>
+      <p:ext uri="{BB962C8B-B14F-4D97-AF65-F5344CB8AC3E}">
+        <p14:creationId xmlns:p14="http://schemas.microsoft.com/office/powerpoint/2010/main" val="2485405224"/>
+      </p:ext>
+    </p:extLst>
+  </p:cSld>
+  <p:clrMapOvr>
+    <a:masterClrMapping/>
+  </p:clrMapOvr>
+</p:sld>
+</file>
+
+<file path=ppt/slides/slide6.xml><?xml version="1.0" encoding="utf-8"?>
+<p:sld xmlns:a="http://schemas.openxmlformats.org/drawingml/2006/main" xmlns:r="http://schemas.openxmlformats.org/officeDocument/2006/relationships" xmlns:p="http://schemas.openxmlformats.org/presentationml/2006/main">
+  <p:cSld>
+    <p:spTree>
+      <p:nvGrpSpPr>
+        <p:cNvPr id="1" name=""/>
+        <p:cNvGrpSpPr/>
+        <p:nvPr/>
+      </p:nvGrpSpPr>
+      <p:grpSpPr>
+        <a:xfrm>
+          <a:off x="0" y="0"/>
+          <a:ext cx="0" cy="0"/>
+          <a:chOff x="0" y="0"/>
+          <a:chExt cx="0" cy="0"/>
+        </a:xfrm>
+      </p:grpSpPr>
+      <p:sp>
+        <p:nvSpPr>
+          <p:cNvPr id="2" name="Title 1">
+            <a:extLst>
+              <a:ext uri="{FF2B5EF4-FFF2-40B4-BE49-F238E27FC236}">
                 <a16:creationId xmlns:a16="http://schemas.microsoft.com/office/drawing/2014/main" id="{2A5755BE-860E-40EB-ADA6-6E82BCB49EC3}"/>
               </a:ext>
             </a:extLst>
@@ -4826,7 +5486,7 @@
           <p:nvPr>
             <p:extLst>
               <p:ext uri="{D42A27DB-BD31-4B8C-83A1-F6EECF244321}">
-                <p14:modId xmlns:p14="http://schemas.microsoft.com/office/powerpoint/2010/main" val="4001460952"/>
+                <p14:modId xmlns:p14="http://schemas.microsoft.com/office/powerpoint/2010/main" val="2185915098"/>
               </p:ext>
             </p:extLst>
           </p:nvPr>
@@ -4839,7 +5499,7 @@
           <a:graphicData uri="http://schemas.openxmlformats.org/presentationml/2006/ole">
             <mc:AlternateContent xmlns:mc="http://schemas.openxmlformats.org/markup-compatibility/2006">
               <mc:Choice xmlns:v="urn:schemas-microsoft-com:vml" Requires="v">
-                <p:oleObj spid="_x0000_s6153" name="Worksheet" r:id="rId4" imgW="9804400" imgH="3213100" progId="Excel.Sheet.12">
+                <p:oleObj spid="_x0000_s6154" name="Worksheet" r:id="rId4" imgW="9804400" imgH="3213100" progId="Excel.Sheet.12">
                   <p:embed/>
                 </p:oleObj>
               </mc:Choice>
@@ -4893,7 +5553,7 @@
 </p:sld>
 </file>
 
-<file path=ppt/slides/slide5.xml><?xml version="1.0" encoding="utf-8"?>
+<file path=ppt/slides/slide7.xml><?xml version="1.0" encoding="utf-8"?>
 <p:sld xmlns:a="http://schemas.openxmlformats.org/drawingml/2006/main" xmlns:r="http://schemas.openxmlformats.org/officeDocument/2006/relationships" xmlns:p="http://schemas.openxmlformats.org/presentationml/2006/main">
   <p:cSld>
     <p:spTree>
@@ -4966,7 +5626,7 @@
           <a:graphicData uri="http://schemas.openxmlformats.org/presentationml/2006/ole">
             <mc:AlternateContent xmlns:mc="http://schemas.openxmlformats.org/markup-compatibility/2006">
               <mc:Choice xmlns:v="urn:schemas-microsoft-com:vml" Requires="v">
-                <p:oleObj spid="_x0000_s8198" name="Worksheet" r:id="rId3" imgW="6981682" imgH="3009743" progId="Excel.Sheet.12">
+                <p:oleObj spid="_x0000_s8199" name="Worksheet" r:id="rId3" imgW="6981682" imgH="3009743" progId="Excel.Sheet.12">
                   <p:embed/>
                 </p:oleObj>
               </mc:Choice>
@@ -5014,242 +5674,6 @@
 </p:sld>
 </file>
 
-<file path=ppt/slides/slide6.xml><?xml version="1.0" encoding="utf-8"?>
-<p:sld xmlns:a="http://schemas.openxmlformats.org/drawingml/2006/main" xmlns:r="http://schemas.openxmlformats.org/officeDocument/2006/relationships" xmlns:p="http://schemas.openxmlformats.org/presentationml/2006/main">
-  <p:cSld>
-    <p:spTree>
-      <p:nvGrpSpPr>
-        <p:cNvPr id="1" name=""/>
-        <p:cNvGrpSpPr/>
-        <p:nvPr/>
-      </p:nvGrpSpPr>
-      <p:grpSpPr>
-        <a:xfrm>
-          <a:off x="0" y="0"/>
-          <a:ext cx="0" cy="0"/>
-          <a:chOff x="0" y="0"/>
-          <a:chExt cx="0" cy="0"/>
-        </a:xfrm>
-      </p:grpSpPr>
-      <p:sp>
-        <p:nvSpPr>
-          <p:cNvPr id="2" name="Title 1"/>
-          <p:cNvSpPr>
-            <a:spLocks noGrp="1"/>
-          </p:cNvSpPr>
-          <p:nvPr>
-            <p:ph type="ctrTitle"/>
-          </p:nvPr>
-        </p:nvSpPr>
-        <p:spPr>
-          <a:xfrm>
-            <a:off x="1524000" y="3025490"/>
-            <a:ext cx="9144000" cy="807019"/>
-          </a:xfrm>
-        </p:spPr>
-        <p:txBody>
-          <a:bodyPr anchor="ctr">
-            <a:noAutofit/>
-          </a:bodyPr>
-          <a:lstStyle/>
-          <a:p>
-            <a:pPr>
-              <a:spcBef>
-                <a:spcPts val="400"/>
-              </a:spcBef>
-            </a:pPr>
-            <a:r>
-              <a:rPr lang="en-US" sz="3600" dirty="0"/>
-              <a:t>Assignment Discussion – Do we need </a:t>
-            </a:r>
-            <a:br>
-              <a:rPr lang="en-US" sz="3600" dirty="0"/>
-            </a:br>
-            <a:r>
-              <a:rPr lang="en-US" sz="3600" dirty="0"/>
-              <a:t>to make an adjustment?</a:t>
-            </a:r>
-          </a:p>
-        </p:txBody>
-      </p:sp>
-    </p:spTree>
-    <p:extLst>
-      <p:ext uri="{BB962C8B-B14F-4D97-AF65-F5344CB8AC3E}">
-        <p14:creationId xmlns:p14="http://schemas.microsoft.com/office/powerpoint/2010/main" val="3463319638"/>
-      </p:ext>
-    </p:extLst>
-  </p:cSld>
-  <p:clrMapOvr>
-    <a:masterClrMapping/>
-  </p:clrMapOvr>
-</p:sld>
-</file>
-
-<file path=ppt/slides/slide7.xml><?xml version="1.0" encoding="utf-8"?>
-<p:sld xmlns:a="http://schemas.openxmlformats.org/drawingml/2006/main" xmlns:r="http://schemas.openxmlformats.org/officeDocument/2006/relationships" xmlns:p="http://schemas.openxmlformats.org/presentationml/2006/main">
-  <p:cSld>
-    <p:spTree>
-      <p:nvGrpSpPr>
-        <p:cNvPr id="1" name=""/>
-        <p:cNvGrpSpPr/>
-        <p:nvPr/>
-      </p:nvGrpSpPr>
-      <p:grpSpPr>
-        <a:xfrm>
-          <a:off x="0" y="0"/>
-          <a:ext cx="0" cy="0"/>
-          <a:chOff x="0" y="0"/>
-          <a:chExt cx="0" cy="0"/>
-        </a:xfrm>
-      </p:grpSpPr>
-      <p:sp>
-        <p:nvSpPr>
-          <p:cNvPr id="2" name="Title 1">
-            <a:extLst>
-              <a:ext uri="{FF2B5EF4-FFF2-40B4-BE49-F238E27FC236}">
-                <a16:creationId xmlns:a16="http://schemas.microsoft.com/office/drawing/2014/main" id="{2A5755BE-860E-40EB-ADA6-6E82BCB49EC3}"/>
-              </a:ext>
-            </a:extLst>
-          </p:cNvPr>
-          <p:cNvSpPr>
-            <a:spLocks noGrp="1"/>
-          </p:cNvSpPr>
-          <p:nvPr>
-            <p:ph type="title"/>
-          </p:nvPr>
-        </p:nvSpPr>
-        <p:spPr/>
-        <p:txBody>
-          <a:bodyPr/>
-          <a:lstStyle/>
-          <a:p>
-            <a:r>
-              <a:rPr lang="en-US" dirty="0"/>
-              <a:t>Assignment from Last Class</a:t>
-            </a:r>
-          </a:p>
-        </p:txBody>
-      </p:sp>
-      <p:sp>
-        <p:nvSpPr>
-          <p:cNvPr id="3" name="Content Placeholder 2">
-            <a:extLst>
-              <a:ext uri="{FF2B5EF4-FFF2-40B4-BE49-F238E27FC236}">
-                <a16:creationId xmlns:a16="http://schemas.microsoft.com/office/drawing/2014/main" id="{72EF5DE0-5958-4171-A9E3-3D288A31AC3F}"/>
-              </a:ext>
-            </a:extLst>
-          </p:cNvPr>
-          <p:cNvSpPr>
-            <a:spLocks noGrp="1"/>
-          </p:cNvSpPr>
-          <p:nvPr>
-            <p:ph idx="1"/>
-          </p:nvPr>
-        </p:nvSpPr>
-        <p:spPr>
-          <a:xfrm>
-            <a:off x="838200" y="1654444"/>
-            <a:ext cx="10515600" cy="4522519"/>
-          </a:xfrm>
-        </p:spPr>
-        <p:txBody>
-          <a:bodyPr>
-            <a:normAutofit/>
-          </a:bodyPr>
-          <a:lstStyle/>
-          <a:p>
-            <a:pPr marL="0" indent="0">
-              <a:buNone/>
-            </a:pPr>
-            <a:r>
-              <a:rPr lang="en-US" sz="2000" dirty="0"/>
-              <a:t>Complete activities list items </a:t>
-            </a:r>
-            <a:r>
-              <a:rPr lang="en-US" sz="2000" dirty="0">
-                <a:hlinkClick r:id="rId2"/>
-              </a:rPr>
-              <a:t>[link]</a:t>
-            </a:r>
-            <a:r>
-              <a:rPr lang="en-US" sz="2000" dirty="0"/>
-              <a:t> through item 4 by Sunday, November 24th</a:t>
-            </a:r>
-          </a:p>
-          <a:p>
-            <a:pPr marL="0" indent="0">
-              <a:buNone/>
-            </a:pPr>
-            <a:endParaRPr lang="en-US" sz="2000" dirty="0"/>
-          </a:p>
-          <a:p>
-            <a:pPr marL="0" indent="0">
-              <a:buNone/>
-            </a:pPr>
-            <a:r>
-              <a:rPr lang="en-US" sz="2000" b="1" dirty="0"/>
-              <a:t>PA7 Thunderbird due Sunday, November 24</a:t>
-            </a:r>
-            <a:r>
-              <a:rPr lang="en-US" sz="2000" b="1" baseline="30000" dirty="0"/>
-              <a:t>th</a:t>
-            </a:r>
-            <a:r>
-              <a:rPr lang="en-US" sz="2000" b="1" dirty="0"/>
-              <a:t> by 11:59pm CT</a:t>
-            </a:r>
-          </a:p>
-          <a:p>
-            <a:pPr marL="0" indent="0">
-              <a:buNone/>
-            </a:pPr>
-            <a:r>
-              <a:rPr lang="en-US" sz="2000" b="1" dirty="0"/>
-              <a:t>DB7 initial post due Sunday, November 24</a:t>
-            </a:r>
-            <a:r>
-              <a:rPr lang="en-US" sz="2000" b="1" baseline="30000" dirty="0"/>
-              <a:t>th</a:t>
-            </a:r>
-          </a:p>
-          <a:p>
-            <a:pPr marL="0" indent="0">
-              <a:buNone/>
-            </a:pPr>
-            <a:endParaRPr lang="en-US" sz="2000" b="1" dirty="0"/>
-          </a:p>
-          <a:p>
-            <a:pPr marL="0" indent="0">
-              <a:buNone/>
-            </a:pPr>
-            <a:r>
-              <a:rPr lang="en-US" sz="2000" dirty="0"/>
-              <a:t>All other assignments due Sunday, December 1</a:t>
-            </a:r>
-            <a:r>
-              <a:rPr lang="en-US" sz="2000" baseline="30000" dirty="0"/>
-              <a:t>st</a:t>
-            </a:r>
-            <a:r>
-              <a:rPr lang="en-US" sz="2000" dirty="0"/>
-              <a:t> by 11:59pm CT… grace period until noon Monday</a:t>
-            </a:r>
-          </a:p>
-        </p:txBody>
-      </p:sp>
-    </p:spTree>
-    <p:extLst>
-      <p:ext uri="{BB962C8B-B14F-4D97-AF65-F5344CB8AC3E}">
-        <p14:creationId xmlns:p14="http://schemas.microsoft.com/office/powerpoint/2010/main" val="484905478"/>
-      </p:ext>
-    </p:extLst>
-  </p:cSld>
-  <p:clrMapOvr>
-    <a:masterClrMapping/>
-  </p:clrMapOvr>
-</p:sld>
-</file>
-
 <file path=ppt/slides/slide8.xml><?xml version="1.0" encoding="utf-8"?>
 <p:sld xmlns:a="http://schemas.openxmlformats.org/drawingml/2006/main" xmlns:r="http://schemas.openxmlformats.org/officeDocument/2006/relationships" xmlns:p="http://schemas.openxmlformats.org/presentationml/2006/main">
   <p:cSld>
@@ -5269,55 +5693,354 @@
       </p:grpSpPr>
       <p:sp>
         <p:nvSpPr>
-          <p:cNvPr id="2" name="Title 1"/>
-          <p:cNvSpPr>
-            <a:spLocks noGrp="1"/>
-          </p:cNvSpPr>
-          <p:nvPr>
-            <p:ph type="ctrTitle"/>
-          </p:nvPr>
+          <p:cNvPr id="2" name="Title 1">
+            <a:extLst>
+              <a:ext uri="{FF2B5EF4-FFF2-40B4-BE49-F238E27FC236}">
+                <a16:creationId xmlns:a16="http://schemas.microsoft.com/office/drawing/2014/main" id="{443FD3EE-6698-4602-B4C0-718F014616A4}"/>
+              </a:ext>
+            </a:extLst>
+          </p:cNvPr>
+          <p:cNvSpPr>
+            <a:spLocks noGrp="1"/>
+          </p:cNvSpPr>
+          <p:nvPr>
+            <p:ph type="title"/>
+          </p:nvPr>
+        </p:nvSpPr>
+        <p:spPr/>
+        <p:txBody>
+          <a:bodyPr/>
+          <a:lstStyle/>
+          <a:p>
+            <a:r>
+              <a:rPr lang="en-US" dirty="0"/>
+              <a:t>Scrum Process &amp; Roles – Sprint Planning</a:t>
+            </a:r>
+          </a:p>
+        </p:txBody>
+      </p:sp>
+      <p:pic>
+        <p:nvPicPr>
+          <p:cNvPr id="1026" name="Picture 2" descr="https://upload.wikimedia.org/wikipedia/commons/d/df/Scrum_Framework.png">
+            <a:extLst>
+              <a:ext uri="{FF2B5EF4-FFF2-40B4-BE49-F238E27FC236}">
+                <a16:creationId xmlns:a16="http://schemas.microsoft.com/office/drawing/2014/main" id="{94D187A3-9AAC-4908-B843-2E262C28DBFE}"/>
+              </a:ext>
+            </a:extLst>
+          </p:cNvPr>
+          <p:cNvPicPr>
+            <a:picLocks noChangeAspect="1" noChangeArrowheads="1"/>
+          </p:cNvPicPr>
+          <p:nvPr/>
+        </p:nvPicPr>
+        <p:blipFill>
+          <a:blip r:embed="rId2">
+            <a:extLst>
+              <a:ext uri="{28A0092B-C50C-407E-A947-70E740481C1C}">
+                <a14:useLocalDpi xmlns:a14="http://schemas.microsoft.com/office/drawing/2010/main" val="0"/>
+              </a:ext>
+            </a:extLst>
+          </a:blip>
+          <a:srcRect/>
+          <a:stretch>
+            <a:fillRect/>
+          </a:stretch>
+        </p:blipFill>
+        <p:spPr bwMode="auto">
+          <a:xfrm>
+            <a:off x="2221847" y="1341064"/>
+            <a:ext cx="8138182" cy="4531099"/>
+          </a:xfrm>
+          <a:prstGeom prst="rect">
+            <a:avLst/>
+          </a:prstGeom>
+          <a:noFill/>
+          <a:extLst>
+            <a:ext uri="{909E8E84-426E-40DD-AFC4-6F175D3DCCD1}">
+              <a14:hiddenFill xmlns:a14="http://schemas.microsoft.com/office/drawing/2010/main">
+                <a:solidFill>
+                  <a:srgbClr val="FFFFFF"/>
+                </a:solidFill>
+              </a14:hiddenFill>
+            </a:ext>
+          </a:extLst>
+        </p:spPr>
+      </p:pic>
+      <p:sp>
+        <p:nvSpPr>
+          <p:cNvPr id="6" name="Rectangle 5">
+            <a:extLst>
+              <a:ext uri="{FF2B5EF4-FFF2-40B4-BE49-F238E27FC236}">
+                <a16:creationId xmlns:a16="http://schemas.microsoft.com/office/drawing/2014/main" id="{C5034F42-102F-445B-BE40-5AF1FC99349D}"/>
+              </a:ext>
+            </a:extLst>
+          </p:cNvPr>
+          <p:cNvSpPr/>
+          <p:nvPr/>
         </p:nvSpPr>
         <p:spPr>
           <a:xfrm>
-            <a:off x="1524000" y="3025490"/>
-            <a:ext cx="9144000" cy="807019"/>
+            <a:off x="3916346" y="6123543"/>
+            <a:ext cx="4749185" cy="369332"/>
           </a:xfrm>
+          <a:prstGeom prst="rect">
+            <a:avLst/>
+          </a:prstGeom>
         </p:spPr>
         <p:txBody>
-          <a:bodyPr anchor="ctr">
-            <a:noAutofit/>
+          <a:bodyPr wrap="none">
+            <a:spAutoFit/>
           </a:bodyPr>
           <a:lstStyle/>
           <a:p>
-            <a:pPr>
-              <a:spcBef>
-                <a:spcPts val="400"/>
-              </a:spcBef>
-            </a:pPr>
-            <a:r>
-              <a:rPr lang="en-US" sz="3600" dirty="0"/>
-              <a:t>Working Session – Updated Assignment</a:t>
-            </a:r>
-            <a:br>
-              <a:rPr lang="en-US" sz="3600" dirty="0"/>
-            </a:br>
-            <a:r>
-              <a:rPr lang="en-US" sz="3600" dirty="0"/>
-              <a:t>for Next Class</a:t>
-            </a:r>
+            <a:r>
+              <a:rPr lang="en-US" dirty="0"/>
+              <a:t>By </a:t>
+            </a:r>
+            <a:r>
+              <a:rPr lang="en-US" dirty="0" err="1">
+                <a:hlinkClick r:id="rId3" tooltip="User:Dr ian mitchell (page does not exist)"/>
+              </a:rPr>
+              <a:t>Dr</a:t>
+            </a:r>
+            <a:r>
+              <a:rPr lang="en-US" dirty="0">
+                <a:hlinkClick r:id="rId3" tooltip="User:Dr ian mitchell (page does not exist)"/>
+              </a:rPr>
+              <a:t> </a:t>
+            </a:r>
+            <a:r>
+              <a:rPr lang="en-US" dirty="0" err="1">
+                <a:hlinkClick r:id="rId3" tooltip="User:Dr ian mitchell (page does not exist)"/>
+              </a:rPr>
+              <a:t>ian</a:t>
+            </a:r>
+            <a:r>
+              <a:rPr lang="en-US" dirty="0">
+                <a:hlinkClick r:id="rId3" tooltip="User:Dr ian mitchell (page does not exist)"/>
+              </a:rPr>
+              <a:t> </a:t>
+            </a:r>
+            <a:r>
+              <a:rPr lang="en-US" dirty="0" err="1">
+                <a:hlinkClick r:id="rId3" tooltip="User:Dr ian mitchell (page does not exist)"/>
+              </a:rPr>
+              <a:t>mitchell</a:t>
+            </a:r>
+            <a:r>
+              <a:rPr lang="en-US" dirty="0"/>
+              <a:t> - Own work, </a:t>
+            </a:r>
+            <a:r>
+              <a:rPr lang="en-US" dirty="0">
+                <a:hlinkClick r:id="rId4" tooltip="Creative Commons Attribution-Share Alike 4.0"/>
+              </a:rPr>
+              <a:t>CC BY-SA 4.0</a:t>
+            </a:r>
+            <a:r>
+              <a:rPr lang="en-US" dirty="0"/>
+              <a:t>, </a:t>
+            </a:r>
+            <a:r>
+              <a:rPr lang="en-US" dirty="0">
+                <a:hlinkClick r:id="rId5"/>
+              </a:rPr>
+              <a:t>Link</a:t>
+            </a:r>
+            <a:endParaRPr lang="en-US" dirty="0"/>
+          </a:p>
+        </p:txBody>
+      </p:sp>
+      <p:sp>
+        <p:nvSpPr>
+          <p:cNvPr id="13" name="Oval 12">
+            <a:extLst>
+              <a:ext uri="{FF2B5EF4-FFF2-40B4-BE49-F238E27FC236}">
+                <a16:creationId xmlns:a16="http://schemas.microsoft.com/office/drawing/2014/main" id="{CB822028-AE62-4F61-8F14-297C0D4C1218}"/>
+              </a:ext>
+            </a:extLst>
+          </p:cNvPr>
+          <p:cNvSpPr/>
+          <p:nvPr/>
+        </p:nvSpPr>
+        <p:spPr>
+          <a:xfrm>
+            <a:off x="3492082" y="4266588"/>
+            <a:ext cx="1303578" cy="554229"/>
+          </a:xfrm>
+          <a:prstGeom prst="ellipse">
+            <a:avLst/>
+          </a:prstGeom>
+          <a:solidFill>
+            <a:schemeClr val="tx1">
+              <a:alpha val="0"/>
+            </a:schemeClr>
+          </a:solidFill>
+          <a:ln w="38100">
+            <a:solidFill>
+              <a:srgbClr val="C00000"/>
+            </a:solidFill>
+          </a:ln>
+        </p:spPr>
+        <p:style>
+          <a:lnRef idx="2">
+            <a:schemeClr val="accent1">
+              <a:shade val="50000"/>
+            </a:schemeClr>
+          </a:lnRef>
+          <a:fillRef idx="1">
+            <a:schemeClr val="accent1"/>
+          </a:fillRef>
+          <a:effectRef idx="0">
+            <a:schemeClr val="accent1"/>
+          </a:effectRef>
+          <a:fontRef idx="minor">
+            <a:schemeClr val="lt1"/>
+          </a:fontRef>
+        </p:style>
+        <p:txBody>
+          <a:bodyPr rtlCol="0" anchor="ctr"/>
+          <a:lstStyle/>
+          <a:p>
+            <a:pPr algn="ctr"/>
+            <a:endParaRPr lang="en-US"/>
           </a:p>
         </p:txBody>
       </p:sp>
     </p:spTree>
     <p:extLst>
       <p:ext uri="{BB962C8B-B14F-4D97-AF65-F5344CB8AC3E}">
-        <p14:creationId xmlns:p14="http://schemas.microsoft.com/office/powerpoint/2010/main" val="330913963"/>
+        <p14:creationId xmlns:p14="http://schemas.microsoft.com/office/powerpoint/2010/main" val="3019678818"/>
       </p:ext>
     </p:extLst>
   </p:cSld>
   <p:clrMapOvr>
     <a:masterClrMapping/>
   </p:clrMapOvr>
+  <p:timing>
+    <p:tnLst>
+      <p:par>
+        <p:cTn id="1" dur="indefinite" restart="never" nodeType="tmRoot">
+          <p:childTnLst>
+            <p:seq concurrent="1" nextAc="seek">
+              <p:cTn id="2" dur="indefinite" nodeType="mainSeq">
+                <p:childTnLst>
+                  <p:par>
+                    <p:cTn id="3" fill="hold">
+                      <p:stCondLst>
+                        <p:cond delay="indefinite"/>
+                      </p:stCondLst>
+                      <p:childTnLst>
+                        <p:par>
+                          <p:cTn id="4" fill="hold">
+                            <p:stCondLst>
+                              <p:cond delay="0"/>
+                            </p:stCondLst>
+                            <p:childTnLst>
+                              <p:par>
+                                <p:cTn id="5" presetID="2" presetClass="entr" presetSubtype="4" fill="hold" grpId="0" nodeType="clickEffect">
+                                  <p:stCondLst>
+                                    <p:cond delay="0"/>
+                                  </p:stCondLst>
+                                  <p:childTnLst>
+                                    <p:set>
+                                      <p:cBhvr>
+                                        <p:cTn id="6" dur="1" fill="hold">
+                                          <p:stCondLst>
+                                            <p:cond delay="0"/>
+                                          </p:stCondLst>
+                                        </p:cTn>
+                                        <p:tgtEl>
+                                          <p:spTgt spid="13"/>
+                                        </p:tgtEl>
+                                        <p:attrNameLst>
+                                          <p:attrName>style.visibility</p:attrName>
+                                        </p:attrNameLst>
+                                      </p:cBhvr>
+                                      <p:to>
+                                        <p:strVal val="visible"/>
+                                      </p:to>
+                                    </p:set>
+                                    <p:anim calcmode="lin" valueType="num">
+                                      <p:cBhvr additive="base">
+                                        <p:cTn id="7" dur="500" fill="hold"/>
+                                        <p:tgtEl>
+                                          <p:spTgt spid="13"/>
+                                        </p:tgtEl>
+                                        <p:attrNameLst>
+                                          <p:attrName>ppt_x</p:attrName>
+                                        </p:attrNameLst>
+                                      </p:cBhvr>
+                                      <p:tavLst>
+                                        <p:tav tm="0">
+                                          <p:val>
+                                            <p:strVal val="#ppt_x"/>
+                                          </p:val>
+                                        </p:tav>
+                                        <p:tav tm="100000">
+                                          <p:val>
+                                            <p:strVal val="#ppt_x"/>
+                                          </p:val>
+                                        </p:tav>
+                                      </p:tavLst>
+                                    </p:anim>
+                                    <p:anim calcmode="lin" valueType="num">
+                                      <p:cBhvr additive="base">
+                                        <p:cTn id="8" dur="500" fill="hold"/>
+                                        <p:tgtEl>
+                                          <p:spTgt spid="13"/>
+                                        </p:tgtEl>
+                                        <p:attrNameLst>
+                                          <p:attrName>ppt_y</p:attrName>
+                                        </p:attrNameLst>
+                                      </p:cBhvr>
+                                      <p:tavLst>
+                                        <p:tav tm="0">
+                                          <p:val>
+                                            <p:strVal val="1+#ppt_h/2"/>
+                                          </p:val>
+                                        </p:tav>
+                                        <p:tav tm="100000">
+                                          <p:val>
+                                            <p:strVal val="#ppt_y"/>
+                                          </p:val>
+                                        </p:tav>
+                                      </p:tavLst>
+                                    </p:anim>
+                                  </p:childTnLst>
+                                </p:cTn>
+                              </p:par>
+                            </p:childTnLst>
+                          </p:cTn>
+                        </p:par>
+                      </p:childTnLst>
+                    </p:cTn>
+                  </p:par>
+                </p:childTnLst>
+              </p:cTn>
+              <p:prevCondLst>
+                <p:cond evt="onPrev" delay="0">
+                  <p:tgtEl>
+                    <p:sldTgt/>
+                  </p:tgtEl>
+                </p:cond>
+              </p:prevCondLst>
+              <p:nextCondLst>
+                <p:cond evt="onNext" delay="0">
+                  <p:tgtEl>
+                    <p:sldTgt/>
+                  </p:tgtEl>
+                </p:cond>
+              </p:nextCondLst>
+            </p:seq>
+          </p:childTnLst>
+        </p:cTn>
+      </p:par>
+    </p:tnLst>
+    <p:bldLst>
+      <p:bldP spid="13" grpId="0" animBg="1"/>
+    </p:bldLst>
+  </p:timing>
 </p:sld>
 </file>
 
@@ -5340,18 +6063,52 @@
       </p:grpSpPr>
       <p:sp>
         <p:nvSpPr>
-          <p:cNvPr id="2" name="Title 1"/>
+          <p:cNvPr id="2" name="Title 1">
+            <a:extLst>
+              <a:ext uri="{FF2B5EF4-FFF2-40B4-BE49-F238E27FC236}">
+                <a16:creationId xmlns:a16="http://schemas.microsoft.com/office/drawing/2014/main" id="{2A5755BE-860E-40EB-ADA6-6E82BCB49EC3}"/>
+              </a:ext>
+            </a:extLst>
+          </p:cNvPr>
           <p:cNvSpPr>
             <a:spLocks noGrp="1"/>
           </p:cNvSpPr>
           <p:nvPr>
             <p:ph type="title"/>
+          </p:nvPr>
+        </p:nvSpPr>
+        <p:spPr/>
+        <p:txBody>
+          <a:bodyPr/>
+          <a:lstStyle/>
+          <a:p>
+            <a:r>
+              <a:rPr lang="en-US" dirty="0"/>
+              <a:t>Assignment</a:t>
+            </a:r>
+          </a:p>
+        </p:txBody>
+      </p:sp>
+      <p:sp>
+        <p:nvSpPr>
+          <p:cNvPr id="3" name="Content Placeholder 2">
+            <a:extLst>
+              <a:ext uri="{FF2B5EF4-FFF2-40B4-BE49-F238E27FC236}">
+                <a16:creationId xmlns:a16="http://schemas.microsoft.com/office/drawing/2014/main" id="{72EF5DE0-5958-4171-A9E3-3D288A31AC3F}"/>
+              </a:ext>
+            </a:extLst>
+          </p:cNvPr>
+          <p:cNvSpPr>
+            <a:spLocks noGrp="1"/>
+          </p:cNvSpPr>
+          <p:nvPr>
+            <p:ph idx="1"/>
           </p:nvPr>
         </p:nvSpPr>
         <p:spPr>
           <a:xfrm>
-            <a:off x="838200" y="365126"/>
-            <a:ext cx="10515600" cy="757272"/>
+            <a:off x="838200" y="1654444"/>
+            <a:ext cx="10515600" cy="4522519"/>
           </a:xfrm>
         </p:spPr>
         <p:txBody>
@@ -5360,72 +6117,21 @@
           </a:bodyPr>
           <a:lstStyle/>
           <a:p>
-            <a:r>
-              <a:rPr lang="en-US" sz="3600" dirty="0"/>
-              <a:t>Lab</a:t>
-            </a:r>
-            <a:endParaRPr lang="en-US" sz="3600" b="1" i="1" u="sng" dirty="0"/>
-          </a:p>
-        </p:txBody>
-      </p:sp>
-      <p:sp>
-        <p:nvSpPr>
-          <p:cNvPr id="3" name="Content Placeholder 2"/>
-          <p:cNvSpPr>
-            <a:spLocks noGrp="1"/>
-          </p:cNvSpPr>
-          <p:nvPr>
-            <p:ph idx="1"/>
-          </p:nvPr>
-        </p:nvSpPr>
-        <p:spPr>
-          <a:xfrm>
-            <a:off x="838200" y="1122399"/>
-            <a:ext cx="10718950" cy="3104544"/>
-          </a:xfrm>
-        </p:spPr>
-        <p:txBody>
-          <a:bodyPr>
-            <a:normAutofit/>
-          </a:bodyPr>
-          <a:lstStyle/>
-          <a:p>
             <a:pPr marL="0" indent="0">
               <a:buNone/>
             </a:pPr>
             <a:r>
               <a:rPr lang="en-US" sz="2000" dirty="0"/>
-              <a:t>As A Scrum Team:</a:t>
-            </a:r>
-          </a:p>
-          <a:p>
-            <a:pPr marL="457200" indent="-457200">
-              <a:buFont typeface="+mj-lt"/>
-              <a:buAutoNum type="arabicPeriod"/>
+              <a:t>Final Project, Final Project, and more Final Project</a:t>
+            </a:r>
+          </a:p>
+          <a:p>
+            <a:pPr marL="0" indent="0">
+              <a:buNone/>
             </a:pPr>
             <a:r>
               <a:rPr lang="en-US" sz="2000" dirty="0"/>
-              <a:t>Final Project v1</a:t>
-            </a:r>
-          </a:p>
-          <a:p>
-            <a:pPr marL="457200" indent="-457200">
-              <a:buFont typeface="+mj-lt"/>
-              <a:buAutoNum type="arabicPeriod"/>
-            </a:pPr>
-            <a:r>
-              <a:rPr lang="en-US" sz="2000" dirty="0"/>
-              <a:t>Submit Thunderbird and Discussion Board 7 as needed</a:t>
-            </a:r>
-          </a:p>
-          <a:p>
-            <a:pPr marL="457200" indent="-457200">
-              <a:buFont typeface="+mj-lt"/>
-              <a:buAutoNum type="arabicPeriod"/>
-            </a:pPr>
-            <a:r>
-              <a:rPr lang="en-US" sz="2000" dirty="0"/>
-              <a:t>Report out at 2:46</a:t>
+              <a:t>Oh yes, and complete Quiz 8</a:t>
             </a:r>
           </a:p>
           <a:p>
@@ -5438,98 +6144,28 @@
             <a:pPr marL="0" indent="0">
               <a:buNone/>
             </a:pPr>
-            <a:endParaRPr lang="en-US" sz="2000" dirty="0"/>
+            <a:r>
+              <a:rPr lang="en-US" sz="2000" b="1" dirty="0"/>
+              <a:t>Everything is due by noon on Thursday, December 12</a:t>
+            </a:r>
+            <a:r>
+              <a:rPr lang="en-US" sz="2000" b="1" baseline="30000" dirty="0"/>
+              <a:t>th</a:t>
+            </a:r>
+            <a:endParaRPr lang="en-US" sz="2000" b="1" dirty="0"/>
           </a:p>
           <a:p>
             <a:pPr marL="0" indent="0">
               <a:buNone/>
             </a:pPr>
-            <a:endParaRPr lang="en-US" sz="2000" dirty="0"/>
-          </a:p>
-        </p:txBody>
-      </p:sp>
-      <p:sp>
-        <p:nvSpPr>
-          <p:cNvPr id="4" name="Rectangle 3">
-            <a:extLst>
-              <a:ext uri="{FF2B5EF4-FFF2-40B4-BE49-F238E27FC236}">
-                <a16:creationId xmlns:a16="http://schemas.microsoft.com/office/drawing/2014/main" id="{26BADDFD-9BE3-0244-AE69-52D2BB47696A}"/>
-              </a:ext>
-            </a:extLst>
-          </p:cNvPr>
-          <p:cNvSpPr/>
-          <p:nvPr/>
-        </p:nvSpPr>
-        <p:spPr>
-          <a:xfrm>
-            <a:off x="838200" y="4649423"/>
-            <a:ext cx="10515600" cy="1754326"/>
-          </a:xfrm>
-          <a:prstGeom prst="rect">
-            <a:avLst/>
-          </a:prstGeom>
-        </p:spPr>
-        <p:txBody>
-          <a:bodyPr wrap="square">
-            <a:spAutoFit/>
-          </a:bodyPr>
-          <a:lstStyle/>
-          <a:p>
-            <a:r>
-              <a:rPr lang="en-US" u="sng" dirty="0"/>
-              <a:t>Team Report Out Guidelines</a:t>
-            </a:r>
-          </a:p>
-          <a:p>
-            <a:r>
-              <a:rPr lang="en-US" dirty="0"/>
-              <a:t>Scrum Master will </a:t>
-            </a:r>
-            <a:r>
-              <a:rPr lang="en-US" u="sng" dirty="0"/>
-              <a:t>stand up, give your name, your team name</a:t>
-            </a:r>
-            <a:r>
-              <a:rPr lang="en-US" dirty="0"/>
-              <a:t>, and briefly answer the following questions:</a:t>
-            </a:r>
-          </a:p>
-          <a:p>
-            <a:pPr marL="514350" indent="-514350">
-              <a:buFont typeface="+mj-lt"/>
-              <a:buAutoNum type="alphaLcParenR"/>
-            </a:pPr>
-            <a:r>
-              <a:rPr lang="en-US" dirty="0"/>
-              <a:t>What did you accomplish since the last meeting? And what will you be working on until the next meeting?</a:t>
-            </a:r>
-          </a:p>
-          <a:p>
-            <a:pPr marL="514350" indent="-514350">
-              <a:buFont typeface="+mj-lt"/>
-              <a:buAutoNum type="alphaLcParenR"/>
-            </a:pPr>
-            <a:r>
-              <a:rPr lang="en-US" dirty="0"/>
-              <a:t>Is the team committed to completing assignments? All/Most/Some</a:t>
-            </a:r>
-          </a:p>
-          <a:p>
-            <a:pPr marL="514350" indent="-514350">
-              <a:buFont typeface="+mj-lt"/>
-              <a:buAutoNum type="alphaLcParenR"/>
-            </a:pPr>
-            <a:r>
-              <a:rPr lang="en-US" dirty="0"/>
-              <a:t>What is getting in your way or keeping you from completing the assignments?</a:t>
-            </a:r>
+            <a:endParaRPr lang="en-US" sz="2000" b="1" dirty="0"/>
           </a:p>
         </p:txBody>
       </p:sp>
     </p:spTree>
     <p:extLst>
       <p:ext uri="{BB962C8B-B14F-4D97-AF65-F5344CB8AC3E}">
-        <p14:creationId xmlns:p14="http://schemas.microsoft.com/office/powerpoint/2010/main" val="1188632697"/>
+        <p14:creationId xmlns:p14="http://schemas.microsoft.com/office/powerpoint/2010/main" val="484905478"/>
       </p:ext>
     </p:extLst>
   </p:cSld>

--- a/lecture-slides/2019-12-02-oop.pptx
+++ b/lecture-slides/2019-12-02-oop.pptx
@@ -226,7 +226,7 @@
           <a:p>
             <a:fld id="{A677DEB0-5AA4-49C7-B0AD-AD047A002C4C}" type="datetimeFigureOut">
               <a:rPr lang="en-US" smtClean="0"/>
-              <a:t>11/26/19</a:t>
+              <a:t>12/2/2019</a:t>
             </a:fld>
             <a:endParaRPr lang="en-US"/>
           </a:p>
@@ -1249,7 +1249,7 @@
           <a:p>
             <a:fld id="{1B52E0E1-344B-4E26-B5AD-CE86AB802485}" type="datetimeFigureOut">
               <a:rPr lang="en-US" smtClean="0"/>
-              <a:t>11/26/19</a:t>
+              <a:t>12/2/2019</a:t>
             </a:fld>
             <a:endParaRPr lang="en-US"/>
           </a:p>
@@ -1447,7 +1447,7 @@
           <a:p>
             <a:fld id="{1B52E0E1-344B-4E26-B5AD-CE86AB802485}" type="datetimeFigureOut">
               <a:rPr lang="en-US" smtClean="0"/>
-              <a:t>11/26/19</a:t>
+              <a:t>12/2/2019</a:t>
             </a:fld>
             <a:endParaRPr lang="en-US"/>
           </a:p>
@@ -1655,7 +1655,7 @@
           <a:p>
             <a:fld id="{1B52E0E1-344B-4E26-B5AD-CE86AB802485}" type="datetimeFigureOut">
               <a:rPr lang="en-US" smtClean="0"/>
-              <a:t>11/26/19</a:t>
+              <a:t>12/2/2019</a:t>
             </a:fld>
             <a:endParaRPr lang="en-US"/>
           </a:p>
@@ -1853,7 +1853,7 @@
           <a:p>
             <a:fld id="{1B52E0E1-344B-4E26-B5AD-CE86AB802485}" type="datetimeFigureOut">
               <a:rPr lang="en-US" smtClean="0"/>
-              <a:t>11/26/19</a:t>
+              <a:t>12/2/2019</a:t>
             </a:fld>
             <a:endParaRPr lang="en-US"/>
           </a:p>
@@ -2128,7 +2128,7 @@
           <a:p>
             <a:fld id="{1B52E0E1-344B-4E26-B5AD-CE86AB802485}" type="datetimeFigureOut">
               <a:rPr lang="en-US" smtClean="0"/>
-              <a:t>11/26/19</a:t>
+              <a:t>12/2/2019</a:t>
             </a:fld>
             <a:endParaRPr lang="en-US"/>
           </a:p>
@@ -2393,7 +2393,7 @@
           <a:p>
             <a:fld id="{1B52E0E1-344B-4E26-B5AD-CE86AB802485}" type="datetimeFigureOut">
               <a:rPr lang="en-US" smtClean="0"/>
-              <a:t>11/26/19</a:t>
+              <a:t>12/2/2019</a:t>
             </a:fld>
             <a:endParaRPr lang="en-US"/>
           </a:p>
@@ -2805,7 +2805,7 @@
           <a:p>
             <a:fld id="{1B52E0E1-344B-4E26-B5AD-CE86AB802485}" type="datetimeFigureOut">
               <a:rPr lang="en-US" smtClean="0"/>
-              <a:t>11/26/19</a:t>
+              <a:t>12/2/2019</a:t>
             </a:fld>
             <a:endParaRPr lang="en-US"/>
           </a:p>
@@ -2946,7 +2946,7 @@
           <a:p>
             <a:fld id="{1B52E0E1-344B-4E26-B5AD-CE86AB802485}" type="datetimeFigureOut">
               <a:rPr lang="en-US" smtClean="0"/>
-              <a:t>11/26/19</a:t>
+              <a:t>12/2/2019</a:t>
             </a:fld>
             <a:endParaRPr lang="en-US"/>
           </a:p>
@@ -3059,7 +3059,7 @@
           <a:p>
             <a:fld id="{1B52E0E1-344B-4E26-B5AD-CE86AB802485}" type="datetimeFigureOut">
               <a:rPr lang="en-US" smtClean="0"/>
-              <a:t>11/26/19</a:t>
+              <a:t>12/2/2019</a:t>
             </a:fld>
             <a:endParaRPr lang="en-US"/>
           </a:p>
@@ -3370,7 +3370,7 @@
           <a:p>
             <a:fld id="{1B52E0E1-344B-4E26-B5AD-CE86AB802485}" type="datetimeFigureOut">
               <a:rPr lang="en-US" smtClean="0"/>
-              <a:t>11/26/19</a:t>
+              <a:t>12/2/2019</a:t>
             </a:fld>
             <a:endParaRPr lang="en-US"/>
           </a:p>
@@ -3658,7 +3658,7 @@
           <a:p>
             <a:fld id="{1B52E0E1-344B-4E26-B5AD-CE86AB802485}" type="datetimeFigureOut">
               <a:rPr lang="en-US" smtClean="0"/>
-              <a:t>11/26/19</a:t>
+              <a:t>12/2/2019</a:t>
             </a:fld>
             <a:endParaRPr lang="en-US"/>
           </a:p>
@@ -3899,7 +3899,7 @@
           <a:p>
             <a:fld id="{1B52E0E1-344B-4E26-B5AD-CE86AB802485}" type="datetimeFigureOut">
               <a:rPr lang="en-US" smtClean="0"/>
-              <a:t>11/26/19</a:t>
+              <a:t>12/2/2019</a:t>
             </a:fld>
             <a:endParaRPr lang="en-US"/>
           </a:p>
@@ -4419,7 +4419,7 @@
             </a:pPr>
             <a:r>
               <a:rPr lang="en-US" sz="2000" dirty="0"/>
-              <a:t>Friendly Conversation Topic – Electric Cars &amp; Tesla</a:t>
+              <a:t>Friendly Conversation Topic – Electric Cars, Tesla, and Autonomous Driving</a:t>
             </a:r>
           </a:p>
           <a:p>
@@ -4470,10 +4470,9 @@
               <a:buAutoNum type="arabicPeriod"/>
             </a:pPr>
             <a:r>
-              <a:rPr lang="en-US" sz="2000"/>
+              <a:rPr lang="en-US" sz="2000" dirty="0"/>
               <a:t>Lab</a:t>
             </a:r>
-            <a:endParaRPr lang="en-US" sz="2000" dirty="0"/>
           </a:p>
           <a:p>
             <a:pPr marL="0" indent="0">
@@ -4619,7 +4618,7 @@
             </a:pPr>
             <a:r>
               <a:rPr lang="en-US" sz="2000" dirty="0"/>
-              <a:t>Final Project v2</a:t>
+              <a:t>Final Project II</a:t>
             </a:r>
           </a:p>
           <a:p>
@@ -4865,7 +4864,7 @@
             </a:br>
             <a:r>
               <a:rPr lang="en-US" sz="3600" dirty="0"/>
-              <a:t>Electric Cars &amp; Tesla</a:t>
+              <a:t>Electric Cars, Tesla, and Autonomous Driving</a:t>
             </a:r>
           </a:p>
         </p:txBody>
@@ -5499,7 +5498,7 @@
           <a:graphicData uri="http://schemas.openxmlformats.org/presentationml/2006/ole">
             <mc:AlternateContent xmlns:mc="http://schemas.openxmlformats.org/markup-compatibility/2006">
               <mc:Choice xmlns:v="urn:schemas-microsoft-com:vml" Requires="v">
-                <p:oleObj spid="_x0000_s6154" name="Worksheet" r:id="rId4" imgW="9804400" imgH="3213100" progId="Excel.Sheet.12">
+                <p:oleObj spid="_x0000_s6156" name="Worksheet" r:id="rId4" imgW="9804400" imgH="3213100" progId="Excel.Sheet.12">
                   <p:embed/>
                 </p:oleObj>
               </mc:Choice>
@@ -5613,25 +5612,25 @@
           <p:nvPr>
             <p:extLst>
               <p:ext uri="{D42A27DB-BD31-4B8C-83A1-F6EECF244321}">
-                <p14:modId xmlns:p14="http://schemas.microsoft.com/office/powerpoint/2010/main" val="1383729020"/>
+                <p14:modId xmlns:p14="http://schemas.microsoft.com/office/powerpoint/2010/main" val="3187664635"/>
               </p:ext>
             </p:extLst>
           </p:nvPr>
         </p:nvGraphicFramePr>
         <p:xfrm>
-          <a:off x="1218568" y="1690688"/>
-          <a:ext cx="9754864" cy="4205371"/>
+          <a:off x="1219200" y="1690688"/>
+          <a:ext cx="9731375" cy="4133850"/>
         </p:xfrm>
         <a:graphic>
           <a:graphicData uri="http://schemas.openxmlformats.org/presentationml/2006/ole">
             <mc:AlternateContent xmlns:mc="http://schemas.openxmlformats.org/markup-compatibility/2006">
               <mc:Choice xmlns:v="urn:schemas-microsoft-com:vml" Requires="v">
-                <p:oleObj spid="_x0000_s8199" name="Worksheet" r:id="rId3" imgW="6981682" imgH="3009743" progId="Excel.Sheet.12">
+                <p:oleObj spid="_x0000_s8201" name="Worksheet" r:id="rId3" imgW="6965649" imgH="2958838" progId="Excel.Sheet.12">
                   <p:embed/>
                 </p:oleObj>
               </mc:Choice>
               <mc:Fallback>
-                <p:oleObj name="Worksheet" r:id="rId3" imgW="6981682" imgH="3009743" progId="Excel.Sheet.12">
+                <p:oleObj name="Worksheet" r:id="rId3" imgW="6965649" imgH="2958838" progId="Excel.Sheet.12">
                   <p:embed/>
                   <p:pic>
                     <p:nvPicPr>
@@ -5647,8 +5646,8 @@
                     </p:blipFill>
                     <p:spPr>
                       <a:xfrm>
-                        <a:off x="1218568" y="1690688"/>
-                        <a:ext cx="9754864" cy="4205371"/>
+                        <a:off x="1219200" y="1690688"/>
+                        <a:ext cx="9731375" cy="4133850"/>
                       </a:xfrm>
                       <a:prstGeom prst="rect">
                         <a:avLst/>

--- a/lecture-slides/2019-12-02-oop.pptx
+++ b/lecture-slides/2019-12-02-oop.pptx
@@ -226,7 +226,7 @@
           <a:p>
             <a:fld id="{A677DEB0-5AA4-49C7-B0AD-AD047A002C4C}" type="datetimeFigureOut">
               <a:rPr lang="en-US" smtClean="0"/>
-              <a:t>11/26/19</a:t>
+              <a:t>12/2/19</a:t>
             </a:fld>
             <a:endParaRPr lang="en-US"/>
           </a:p>
@@ -1249,7 +1249,7 @@
           <a:p>
             <a:fld id="{1B52E0E1-344B-4E26-B5AD-CE86AB802485}" type="datetimeFigureOut">
               <a:rPr lang="en-US" smtClean="0"/>
-              <a:t>11/26/19</a:t>
+              <a:t>12/2/19</a:t>
             </a:fld>
             <a:endParaRPr lang="en-US"/>
           </a:p>
@@ -1447,7 +1447,7 @@
           <a:p>
             <a:fld id="{1B52E0E1-344B-4E26-B5AD-CE86AB802485}" type="datetimeFigureOut">
               <a:rPr lang="en-US" smtClean="0"/>
-              <a:t>11/26/19</a:t>
+              <a:t>12/2/19</a:t>
             </a:fld>
             <a:endParaRPr lang="en-US"/>
           </a:p>
@@ -1655,7 +1655,7 @@
           <a:p>
             <a:fld id="{1B52E0E1-344B-4E26-B5AD-CE86AB802485}" type="datetimeFigureOut">
               <a:rPr lang="en-US" smtClean="0"/>
-              <a:t>11/26/19</a:t>
+              <a:t>12/2/19</a:t>
             </a:fld>
             <a:endParaRPr lang="en-US"/>
           </a:p>
@@ -1853,7 +1853,7 @@
           <a:p>
             <a:fld id="{1B52E0E1-344B-4E26-B5AD-CE86AB802485}" type="datetimeFigureOut">
               <a:rPr lang="en-US" smtClean="0"/>
-              <a:t>11/26/19</a:t>
+              <a:t>12/2/19</a:t>
             </a:fld>
             <a:endParaRPr lang="en-US"/>
           </a:p>
@@ -2128,7 +2128,7 @@
           <a:p>
             <a:fld id="{1B52E0E1-344B-4E26-B5AD-CE86AB802485}" type="datetimeFigureOut">
               <a:rPr lang="en-US" smtClean="0"/>
-              <a:t>11/26/19</a:t>
+              <a:t>12/2/19</a:t>
             </a:fld>
             <a:endParaRPr lang="en-US"/>
           </a:p>
@@ -2393,7 +2393,7 @@
           <a:p>
             <a:fld id="{1B52E0E1-344B-4E26-B5AD-CE86AB802485}" type="datetimeFigureOut">
               <a:rPr lang="en-US" smtClean="0"/>
-              <a:t>11/26/19</a:t>
+              <a:t>12/2/19</a:t>
             </a:fld>
             <a:endParaRPr lang="en-US"/>
           </a:p>
@@ -2805,7 +2805,7 @@
           <a:p>
             <a:fld id="{1B52E0E1-344B-4E26-B5AD-CE86AB802485}" type="datetimeFigureOut">
               <a:rPr lang="en-US" smtClean="0"/>
-              <a:t>11/26/19</a:t>
+              <a:t>12/2/19</a:t>
             </a:fld>
             <a:endParaRPr lang="en-US"/>
           </a:p>
@@ -2946,7 +2946,7 @@
           <a:p>
             <a:fld id="{1B52E0E1-344B-4E26-B5AD-CE86AB802485}" type="datetimeFigureOut">
               <a:rPr lang="en-US" smtClean="0"/>
-              <a:t>11/26/19</a:t>
+              <a:t>12/2/19</a:t>
             </a:fld>
             <a:endParaRPr lang="en-US"/>
           </a:p>
@@ -3059,7 +3059,7 @@
           <a:p>
             <a:fld id="{1B52E0E1-344B-4E26-B5AD-CE86AB802485}" type="datetimeFigureOut">
               <a:rPr lang="en-US" smtClean="0"/>
-              <a:t>11/26/19</a:t>
+              <a:t>12/2/19</a:t>
             </a:fld>
             <a:endParaRPr lang="en-US"/>
           </a:p>
@@ -3370,7 +3370,7 @@
           <a:p>
             <a:fld id="{1B52E0E1-344B-4E26-B5AD-CE86AB802485}" type="datetimeFigureOut">
               <a:rPr lang="en-US" smtClean="0"/>
-              <a:t>11/26/19</a:t>
+              <a:t>12/2/19</a:t>
             </a:fld>
             <a:endParaRPr lang="en-US"/>
           </a:p>
@@ -3658,7 +3658,7 @@
           <a:p>
             <a:fld id="{1B52E0E1-344B-4E26-B5AD-CE86AB802485}" type="datetimeFigureOut">
               <a:rPr lang="en-US" smtClean="0"/>
-              <a:t>11/26/19</a:t>
+              <a:t>12/2/19</a:t>
             </a:fld>
             <a:endParaRPr lang="en-US"/>
           </a:p>
@@ -3899,7 +3899,7 @@
           <a:p>
             <a:fld id="{1B52E0E1-344B-4E26-B5AD-CE86AB802485}" type="datetimeFigureOut">
               <a:rPr lang="en-US" smtClean="0"/>
-              <a:t>11/26/19</a:t>
+              <a:t>12/2/19</a:t>
             </a:fld>
             <a:endParaRPr lang="en-US"/>
           </a:p>
@@ -4619,6 +4619,16 @@
             </a:pPr>
             <a:r>
               <a:rPr lang="en-US" sz="2000" dirty="0"/>
+              <a:t>Identify your sprint 8 Scrum Master</a:t>
+            </a:r>
+          </a:p>
+          <a:p>
+            <a:pPr marL="457200" indent="-457200">
+              <a:buFont typeface="+mj-lt"/>
+              <a:buAutoNum type="arabicPeriod"/>
+            </a:pPr>
+            <a:r>
+              <a:rPr lang="en-US" sz="2000" dirty="0"/>
               <a:t>Final Project v2</a:t>
             </a:r>
           </a:p>
@@ -5499,7 +5509,7 @@
           <a:graphicData uri="http://schemas.openxmlformats.org/presentationml/2006/ole">
             <mc:AlternateContent xmlns:mc="http://schemas.openxmlformats.org/markup-compatibility/2006">
               <mc:Choice xmlns:v="urn:schemas-microsoft-com:vml" Requires="v">
-                <p:oleObj spid="_x0000_s6154" name="Worksheet" r:id="rId4" imgW="9804400" imgH="3213100" progId="Excel.Sheet.12">
+                <p:oleObj spid="_x0000_s6155" name="Worksheet" r:id="rId4" imgW="9804400" imgH="3213100" progId="Excel.Sheet.12">
                   <p:embed/>
                 </p:oleObj>
               </mc:Choice>
@@ -5626,7 +5636,7 @@
           <a:graphicData uri="http://schemas.openxmlformats.org/presentationml/2006/ole">
             <mc:AlternateContent xmlns:mc="http://schemas.openxmlformats.org/markup-compatibility/2006">
               <mc:Choice xmlns:v="urn:schemas-microsoft-com:vml" Requires="v">
-                <p:oleObj spid="_x0000_s8199" name="Worksheet" r:id="rId3" imgW="6981682" imgH="3009743" progId="Excel.Sheet.12">
+                <p:oleObj spid="_x0000_s8200" name="Worksheet" r:id="rId3" imgW="6981682" imgH="3009743" progId="Excel.Sheet.12">
                   <p:embed/>
                 </p:oleObj>
               </mc:Choice>
@@ -6145,8 +6155,12 @@
               <a:buNone/>
             </a:pPr>
             <a:r>
+              <a:rPr lang="en-US" sz="2000" b="1" u="sng" dirty="0"/>
+              <a:t>Everything</a:t>
+            </a:r>
+            <a:r>
               <a:rPr lang="en-US" sz="2000" b="1" dirty="0"/>
-              <a:t>Everything is due by noon on Thursday, December 12</a:t>
+              <a:t> is due by noon on Thursday, December 12</a:t>
             </a:r>
             <a:r>
               <a:rPr lang="en-US" sz="2000" b="1" baseline="30000" dirty="0"/>
